--- a/skeic-03-20221125-loop.pptx
+++ b/skeic-03-20221125-loop.pptx
@@ -110,6 +110,11 @@
       </a:defRPr>
     </a:lvl9pPr>
   </p:defaultTextStyle>
+  <p:extLst>
+    <p:ext uri="{EFAFB233-063F-42B5-8137-9DF3F51BA10A}">
+      <p15:sldGuideLst xmlns:p15="http://schemas.microsoft.com/office/powerpoint/2012/main"/>
+    </p:ext>
+  </p:extLst>
 </p:presentation>
 </file>
 
@@ -260,7 +265,7 @@
           <a:p>
             <a:fld id="{CAC819A5-8010-4D37-A668-3EE39A2B4BCB}" type="datetimeFigureOut">
               <a:rPr lang="en-US" smtClean="0"/>
-              <a:t>11/25/2022</a:t>
+              <a:t>12/2/2022</a:t>
             </a:fld>
             <a:endParaRPr lang="en-US"/>
           </a:p>
@@ -458,7 +463,7 @@
           <a:p>
             <a:fld id="{CAC819A5-8010-4D37-A668-3EE39A2B4BCB}" type="datetimeFigureOut">
               <a:rPr lang="en-US" smtClean="0"/>
-              <a:t>11/25/2022</a:t>
+              <a:t>12/2/2022</a:t>
             </a:fld>
             <a:endParaRPr lang="en-US"/>
           </a:p>
@@ -666,7 +671,7 @@
           <a:p>
             <a:fld id="{CAC819A5-8010-4D37-A668-3EE39A2B4BCB}" type="datetimeFigureOut">
               <a:rPr lang="en-US" smtClean="0"/>
-              <a:t>11/25/2022</a:t>
+              <a:t>12/2/2022</a:t>
             </a:fld>
             <a:endParaRPr lang="en-US"/>
           </a:p>
@@ -864,7 +869,7 @@
           <a:p>
             <a:fld id="{CAC819A5-8010-4D37-A668-3EE39A2B4BCB}" type="datetimeFigureOut">
               <a:rPr lang="en-US" smtClean="0"/>
-              <a:t>11/25/2022</a:t>
+              <a:t>12/2/2022</a:t>
             </a:fld>
             <a:endParaRPr lang="en-US"/>
           </a:p>
@@ -1139,7 +1144,7 @@
           <a:p>
             <a:fld id="{CAC819A5-8010-4D37-A668-3EE39A2B4BCB}" type="datetimeFigureOut">
               <a:rPr lang="en-US" smtClean="0"/>
-              <a:t>11/25/2022</a:t>
+              <a:t>12/2/2022</a:t>
             </a:fld>
             <a:endParaRPr lang="en-US"/>
           </a:p>
@@ -1404,7 +1409,7 @@
           <a:p>
             <a:fld id="{CAC819A5-8010-4D37-A668-3EE39A2B4BCB}" type="datetimeFigureOut">
               <a:rPr lang="en-US" smtClean="0"/>
-              <a:t>11/25/2022</a:t>
+              <a:t>12/2/2022</a:t>
             </a:fld>
             <a:endParaRPr lang="en-US"/>
           </a:p>
@@ -1816,7 +1821,7 @@
           <a:p>
             <a:fld id="{CAC819A5-8010-4D37-A668-3EE39A2B4BCB}" type="datetimeFigureOut">
               <a:rPr lang="en-US" smtClean="0"/>
-              <a:t>11/25/2022</a:t>
+              <a:t>12/2/2022</a:t>
             </a:fld>
             <a:endParaRPr lang="en-US"/>
           </a:p>
@@ -1957,7 +1962,7 @@
           <a:p>
             <a:fld id="{CAC819A5-8010-4D37-A668-3EE39A2B4BCB}" type="datetimeFigureOut">
               <a:rPr lang="en-US" smtClean="0"/>
-              <a:t>11/25/2022</a:t>
+              <a:t>12/2/2022</a:t>
             </a:fld>
             <a:endParaRPr lang="en-US"/>
           </a:p>
@@ -2070,7 +2075,7 @@
           <a:p>
             <a:fld id="{CAC819A5-8010-4D37-A668-3EE39A2B4BCB}" type="datetimeFigureOut">
               <a:rPr lang="en-US" smtClean="0"/>
-              <a:t>11/25/2022</a:t>
+              <a:t>12/2/2022</a:t>
             </a:fld>
             <a:endParaRPr lang="en-US"/>
           </a:p>
@@ -2381,7 +2386,7 @@
           <a:p>
             <a:fld id="{CAC819A5-8010-4D37-A668-3EE39A2B4BCB}" type="datetimeFigureOut">
               <a:rPr lang="en-US" smtClean="0"/>
-              <a:t>11/25/2022</a:t>
+              <a:t>12/2/2022</a:t>
             </a:fld>
             <a:endParaRPr lang="en-US"/>
           </a:p>
@@ -2669,7 +2674,7 @@
           <a:p>
             <a:fld id="{CAC819A5-8010-4D37-A668-3EE39A2B4BCB}" type="datetimeFigureOut">
               <a:rPr lang="en-US" smtClean="0"/>
-              <a:t>11/25/2022</a:t>
+              <a:t>12/2/2022</a:t>
             </a:fld>
             <a:endParaRPr lang="en-US"/>
           </a:p>
@@ -2910,7 +2915,7 @@
           <a:p>
             <a:fld id="{CAC819A5-8010-4D37-A668-3EE39A2B4BCB}" type="datetimeFigureOut">
               <a:rPr lang="en-US" smtClean="0"/>
-              <a:t>11/25/2022</a:t>
+              <a:t>12/2/2022</a:t>
             </a:fld>
             <a:endParaRPr lang="en-US"/>
           </a:p>
@@ -3523,7 +3528,12 @@
             <p:ph idx="1"/>
           </p:nvPr>
         </p:nvSpPr>
-        <p:spPr/>
+        <p:spPr>
+          <a:xfrm>
+            <a:off x="838200" y="1825625"/>
+            <a:ext cx="10515600" cy="4667250"/>
+          </a:xfrm>
+        </p:spPr>
         <p:txBody>
           <a:bodyPr>
             <a:normAutofit lnSpcReduction="10000"/>
@@ -3674,7 +3684,7 @@
                 <a:latin typeface="TH SarabunPSK" panose="020B0500040200020003" pitchFamily="34" charset="-34"/>
                 <a:cs typeface="TH SarabunPSK" panose="020B0500040200020003" pitchFamily="34" charset="-34"/>
               </a:rPr>
-              <a:t>[4] 	# </a:t>
+              <a:t>[4] 		# </a:t>
             </a:r>
             <a:r>
               <a:rPr lang="th-TH" dirty="0">
@@ -3724,7 +3734,7 @@
                 <a:latin typeface="TH SarabunPSK" panose="020B0500040200020003" pitchFamily="34" charset="-34"/>
                 <a:cs typeface="TH SarabunPSK" panose="020B0500040200020003" pitchFamily="34" charset="-34"/>
               </a:rPr>
-              <a:t>[4] = 40	# </a:t>
+              <a:t>[4] = 40		# </a:t>
             </a:r>
             <a:r>
               <a:rPr lang="th-TH" dirty="0">
@@ -3767,6 +3777,67 @@
                 <a:cs typeface="TH SarabunPSK" panose="020B0500040200020003" pitchFamily="34" charset="-34"/>
               </a:rPr>
               <a:t>40</a:t>
+            </a:r>
+          </a:p>
+          <a:p>
+            <a:pPr marL="457200" lvl="1" indent="0">
+              <a:buNone/>
+            </a:pPr>
+            <a:r>
+              <a:rPr lang="en-US" dirty="0" err="1">
+                <a:latin typeface="TH SarabunPSK" panose="020B0500040200020003" pitchFamily="34" charset="-34"/>
+                <a:cs typeface="TH SarabunPSK" panose="020B0500040200020003" pitchFamily="34" charset="-34"/>
+              </a:rPr>
+              <a:t>mylist</a:t>
+            </a:r>
+            <a:r>
+              <a:rPr lang="en-US" dirty="0">
+                <a:latin typeface="TH SarabunPSK" panose="020B0500040200020003" pitchFamily="34" charset="-34"/>
+                <a:cs typeface="TH SarabunPSK" panose="020B0500040200020003" pitchFamily="34" charset="-34"/>
+              </a:rPr>
+              <a:t>[0] = </a:t>
+            </a:r>
+            <a:r>
+              <a:rPr lang="en-US" dirty="0" err="1">
+                <a:latin typeface="TH SarabunPSK" panose="020B0500040200020003" pitchFamily="34" charset="-34"/>
+                <a:cs typeface="TH SarabunPSK" panose="020B0500040200020003" pitchFamily="34" charset="-34"/>
+              </a:rPr>
+              <a:t>mylist</a:t>
+            </a:r>
+            <a:r>
+              <a:rPr lang="en-US" dirty="0">
+                <a:latin typeface="TH SarabunPSK" panose="020B0500040200020003" pitchFamily="34" charset="-34"/>
+                <a:cs typeface="TH SarabunPSK" panose="020B0500040200020003" pitchFamily="34" charset="-34"/>
+              </a:rPr>
+              <a:t>[1]	#</a:t>
+            </a:r>
+            <a:r>
+              <a:rPr lang="th-TH" dirty="0">
+                <a:latin typeface="TH SarabunPSK" panose="020B0500040200020003" pitchFamily="34" charset="-34"/>
+                <a:cs typeface="TH SarabunPSK" panose="020B0500040200020003" pitchFamily="34" charset="-34"/>
+              </a:rPr>
+              <a:t> เปลี่ยนค่าที่ </a:t>
+            </a:r>
+            <a:r>
+              <a:rPr lang="en-US" dirty="0">
+                <a:latin typeface="TH SarabunPSK" panose="020B0500040200020003" pitchFamily="34" charset="-34"/>
+                <a:cs typeface="TH SarabunPSK" panose="020B0500040200020003" pitchFamily="34" charset="-34"/>
+              </a:rPr>
+              <a:t>index 0 </a:t>
+            </a:r>
+            <a:r>
+              <a:rPr lang="th-TH" dirty="0">
+                <a:latin typeface="TH SarabunPSK" panose="020B0500040200020003" pitchFamily="34" charset="-34"/>
+                <a:cs typeface="TH SarabunPSK" panose="020B0500040200020003" pitchFamily="34" charset="-34"/>
+              </a:rPr>
+              <a:t>เป็นค่าเดียวกับที่ </a:t>
+            </a:r>
+            <a:r>
+              <a:rPr lang="en-US" dirty="0">
+                <a:latin typeface="TH SarabunPSK" panose="020B0500040200020003" pitchFamily="34" charset="-34"/>
+                <a:cs typeface="TH SarabunPSK" panose="020B0500040200020003" pitchFamily="34" charset="-34"/>
+              </a:rPr>
+              <a:t>index 1</a:t>
             </a:r>
           </a:p>
         </p:txBody>
@@ -3869,7 +3940,7 @@
                 <a:latin typeface="Courier New" panose="02070309020205020404" pitchFamily="49" charset="0"/>
                 <a:cs typeface="Courier New" panose="02070309020205020404" pitchFamily="49" charset="0"/>
               </a:rPr>
-              <a:t>“</a:t>
+              <a:t>"</a:t>
             </a:r>
             <a:r>
               <a:rPr lang="en-US" dirty="0">
@@ -3883,7 +3954,14 @@
                 <a:latin typeface="Courier New" panose="02070309020205020404" pitchFamily="49" charset="0"/>
                 <a:cs typeface="Courier New" panose="02070309020205020404" pitchFamily="49" charset="0"/>
               </a:rPr>
-              <a:t>‘,</a:t>
+              <a:t>'</a:t>
+            </a:r>
+            <a:r>
+              <a:rPr lang="en-US" sz="2400" dirty="0">
+                <a:latin typeface="TH SarabunPSK" panose="020B0500040200020003" pitchFamily="34" charset="-34"/>
+                <a:cs typeface="TH SarabunPSK" panose="020B0500040200020003" pitchFamily="34" charset="-34"/>
+              </a:rPr>
+              <a:t> ,</a:t>
             </a:r>
             <a:r>
               <a:rPr lang="en-US" dirty="0">
@@ -3893,39 +3971,39 @@
               <a:t> </a:t>
             </a:r>
             <a:r>
-              <a:rPr lang="en-US" i="1" dirty="0">
+              <a:rPr lang="en-US" sz="2400" dirty="0">
                 <a:latin typeface="Courier New" panose="02070309020205020404" pitchFamily="49" charset="0"/>
                 <a:cs typeface="Courier New" panose="02070309020205020404" pitchFamily="49" charset="0"/>
               </a:rPr>
-              <a:t>“</a:t>
-            </a:r>
-            <a:r>
-              <a:rPr lang="en-US" dirty="0">
+              <a:t>"""</a:t>
+            </a:r>
+            <a:r>
+              <a:rPr lang="en-US" dirty="0">
+                <a:latin typeface="TH SarabunPSK" panose="020B0500040200020003" pitchFamily="34" charset="-34"/>
+                <a:cs typeface="TH SarabunPSK" panose="020B0500040200020003" pitchFamily="34" charset="-34"/>
+              </a:rPr>
+              <a:t> </a:t>
+            </a:r>
+            <a:r>
+              <a:rPr lang="th-TH" dirty="0">
+                <a:latin typeface="TH SarabunPSK" panose="020B0500040200020003" pitchFamily="34" charset="-34"/>
+                <a:cs typeface="TH SarabunPSK" panose="020B0500040200020003" pitchFamily="34" charset="-34"/>
+              </a:rPr>
+              <a:t>หรือ </a:t>
+            </a:r>
+            <a:r>
+              <a:rPr lang="en-US" sz="2400" dirty="0">
                 <a:latin typeface="Courier New" panose="02070309020205020404" pitchFamily="49" charset="0"/>
                 <a:cs typeface="Courier New" panose="02070309020205020404" pitchFamily="49" charset="0"/>
               </a:rPr>
-              <a:t>““</a:t>
-            </a:r>
-            <a:r>
-              <a:rPr lang="en-US" dirty="0">
-                <a:latin typeface="TH SarabunPSK" panose="020B0500040200020003" pitchFamily="34" charset="-34"/>
-                <a:cs typeface="TH SarabunPSK" panose="020B0500040200020003" pitchFamily="34" charset="-34"/>
-              </a:rPr>
-              <a:t> </a:t>
-            </a:r>
-            <a:r>
-              <a:rPr lang="th-TH" dirty="0">
-                <a:latin typeface="TH SarabunPSK" panose="020B0500040200020003" pitchFamily="34" charset="-34"/>
-                <a:cs typeface="TH SarabunPSK" panose="020B0500040200020003" pitchFamily="34" charset="-34"/>
-              </a:rPr>
-              <a:t>หรือ </a:t>
+              <a:t>'''</a:t>
             </a:r>
             <a:r>
               <a:rPr lang="en-US" dirty="0">
                 <a:latin typeface="Courier New" panose="02070309020205020404" pitchFamily="49" charset="0"/>
                 <a:cs typeface="Courier New" panose="02070309020205020404" pitchFamily="49" charset="0"/>
               </a:rPr>
-              <a:t>‘‘‘</a:t>
+              <a:t> </a:t>
             </a:r>
             <a:r>
               <a:rPr lang="en-US" dirty="0">
@@ -3976,8 +4054,33 @@
                 <a:latin typeface="TH SarabunPSK" panose="020B0500040200020003" pitchFamily="34" charset="-34"/>
                 <a:cs typeface="TH SarabunPSK" panose="020B0500040200020003" pitchFamily="34" charset="-34"/>
               </a:rPr>
-              <a:t> = “chonlameth”</a:t>
-            </a:r>
+              <a:t> = </a:t>
+            </a:r>
+            <a:r>
+              <a:rPr lang="en-US" dirty="0">
+                <a:latin typeface="Courier New" panose="02070309020205020404" pitchFamily="49" charset="0"/>
+                <a:cs typeface="Courier New" panose="02070309020205020404" pitchFamily="49" charset="0"/>
+              </a:rPr>
+              <a:t>"</a:t>
+            </a:r>
+            <a:r>
+              <a:rPr lang="en-US" dirty="0">
+                <a:latin typeface="TH SarabunPSK" panose="020B0500040200020003" pitchFamily="34" charset="-34"/>
+                <a:cs typeface="TH SarabunPSK" panose="020B0500040200020003" pitchFamily="34" charset="-34"/>
+              </a:rPr>
+              <a:t>chonlameth</a:t>
+            </a:r>
+            <a:r>
+              <a:rPr lang="en-US" dirty="0">
+                <a:latin typeface="Courier New" panose="02070309020205020404" pitchFamily="49" charset="0"/>
+                <a:cs typeface="Courier New" panose="02070309020205020404" pitchFamily="49" charset="0"/>
+              </a:rPr>
+              <a:t>"</a:t>
+            </a:r>
+            <a:endParaRPr lang="en-US" dirty="0">
+              <a:latin typeface="TH SarabunPSK" panose="020B0500040200020003" pitchFamily="34" charset="-34"/>
+              <a:cs typeface="TH SarabunPSK" panose="020B0500040200020003" pitchFamily="34" charset="-34"/>
+            </a:endParaRPr>
           </a:p>
           <a:p>
             <a:pPr marL="457200" lvl="1" indent="0">
@@ -3988,7 +4091,21 @@
                 <a:latin typeface="TH SarabunPSK" panose="020B0500040200020003" pitchFamily="34" charset="-34"/>
                 <a:cs typeface="TH SarabunPSK" panose="020B0500040200020003" pitchFamily="34" charset="-34"/>
               </a:rPr>
-              <a:t>      yours = ’’’new name</a:t>
+              <a:t>      yours = </a:t>
+            </a:r>
+            <a:r>
+              <a:rPr lang="en-US" dirty="0">
+                <a:latin typeface="Courier New" panose="02070309020205020404" pitchFamily="49" charset="0"/>
+                <a:cs typeface="Courier New" panose="02070309020205020404" pitchFamily="49" charset="0"/>
+              </a:rPr>
+              <a:t>'''</a:t>
+            </a:r>
+            <a:r>
+              <a:rPr lang="en-US" dirty="0">
+                <a:latin typeface="TH SarabunPSK" panose="020B0500040200020003" pitchFamily="34" charset="-34"/>
+                <a:cs typeface="TH SarabunPSK" panose="020B0500040200020003" pitchFamily="34" charset="-34"/>
+              </a:rPr>
+              <a:t>new name</a:t>
             </a:r>
           </a:p>
           <a:p>
@@ -4000,7 +4117,14 @@
                 <a:latin typeface="TH SarabunPSK" panose="020B0500040200020003" pitchFamily="34" charset="-34"/>
                 <a:cs typeface="TH SarabunPSK" panose="020B0500040200020003" pitchFamily="34" charset="-34"/>
               </a:rPr>
-              <a:t>                     new surname’’’</a:t>
+              <a:t>                     new surname</a:t>
+            </a:r>
+            <a:r>
+              <a:rPr lang="en-US" dirty="0">
+                <a:latin typeface="Courier New" panose="02070309020205020404" pitchFamily="49" charset="0"/>
+                <a:cs typeface="Courier New" panose="02070309020205020404" pitchFamily="49" charset="0"/>
+              </a:rPr>
+              <a:t>'''</a:t>
             </a:r>
             <a:endParaRPr lang="th-TH" dirty="0">
               <a:latin typeface="TH SarabunPSK" panose="020B0500040200020003" pitchFamily="34" charset="-34"/>
@@ -4306,7 +4430,7 @@
                 <a:latin typeface="TH SarabunPSK" panose="020B0500040200020003" pitchFamily="34" charset="-34"/>
                 <a:cs typeface="TH SarabunPSK" panose="020B0500040200020003" pitchFamily="34" charset="-34"/>
               </a:rPr>
-              <a:t>กำหนดค่านับตั้งต้น</a:t>
+              <a:t>กำหนดค่าเงื่อนไขตั้งต้น</a:t>
             </a:r>
           </a:p>
           <a:p>
@@ -4337,15 +4461,12 @@
                 <a:latin typeface="TH SarabunPSK" panose="020B0500040200020003" pitchFamily="34" charset="-34"/>
                 <a:cs typeface="TH SarabunPSK" panose="020B0500040200020003" pitchFamily="34" charset="-34"/>
               </a:rPr>
-              <a:t>	</a:t>
-            </a:r>
-            <a:r>
-              <a:rPr lang="en-US" dirty="0">
-                <a:latin typeface="TH SarabunPSK" panose="020B0500040200020003" pitchFamily="34" charset="-34"/>
-                <a:cs typeface="TH SarabunPSK" panose="020B0500040200020003" pitchFamily="34" charset="-34"/>
-              </a:rPr>
-              <a:t>Execute Statements</a:t>
-            </a:r>
+              <a:t>	ประมวลผลคำสั่ง</a:t>
+            </a:r>
+            <a:endParaRPr lang="en-US" dirty="0">
+              <a:latin typeface="TH SarabunPSK" panose="020B0500040200020003" pitchFamily="34" charset="-34"/>
+              <a:cs typeface="TH SarabunPSK" panose="020B0500040200020003" pitchFamily="34" charset="-34"/>
+            </a:endParaRPr>
           </a:p>
           <a:p>
             <a:pPr marL="457200" lvl="1" indent="0">
@@ -4363,7 +4484,7 @@
                 <a:latin typeface="TH SarabunPSK" panose="020B0500040200020003" pitchFamily="34" charset="-34"/>
                 <a:cs typeface="TH SarabunPSK" panose="020B0500040200020003" pitchFamily="34" charset="-34"/>
               </a:rPr>
-              <a:t>เพิ่มค่านับ</a:t>
+              <a:t>ปรับปรุงค่าของเงื่อนไข</a:t>
             </a:r>
             <a:endParaRPr lang="en-US" dirty="0">
               <a:latin typeface="TH SarabunPSK" panose="020B0500040200020003" pitchFamily="34" charset="-34"/>
@@ -4636,7 +4757,7 @@
                 <a:latin typeface="TH SarabunPSK" panose="020B0500040200020003" pitchFamily="34" charset="-34"/>
                 <a:cs typeface="TH SarabunPSK" panose="020B0500040200020003" pitchFamily="34" charset="-34"/>
               </a:rPr>
-              <a:t>ไม่ต้องกำหนดค่านับตั้งต้น</a:t>
+              <a:t>ไม่ต้องกำหนดค่าเงื่อนไขตั้งต้น</a:t>
             </a:r>
           </a:p>
           <a:p>
@@ -4711,15 +4832,12 @@
                 <a:latin typeface="TH SarabunPSK" panose="020B0500040200020003" pitchFamily="34" charset="-34"/>
                 <a:cs typeface="TH SarabunPSK" panose="020B0500040200020003" pitchFamily="34" charset="-34"/>
               </a:rPr>
-              <a:t>	</a:t>
-            </a:r>
-            <a:r>
-              <a:rPr lang="en-US" dirty="0">
-                <a:latin typeface="TH SarabunPSK" panose="020B0500040200020003" pitchFamily="34" charset="-34"/>
-                <a:cs typeface="TH SarabunPSK" panose="020B0500040200020003" pitchFamily="34" charset="-34"/>
-              </a:rPr>
-              <a:t>Execute Statements</a:t>
-            </a:r>
+              <a:t>	ประมวลผลคำสั่ง</a:t>
+            </a:r>
+            <a:endParaRPr lang="en-US" dirty="0">
+              <a:latin typeface="TH SarabunPSK" panose="020B0500040200020003" pitchFamily="34" charset="-34"/>
+              <a:cs typeface="TH SarabunPSK" panose="020B0500040200020003" pitchFamily="34" charset="-34"/>
+            </a:endParaRPr>
           </a:p>
           <a:p>
             <a:pPr marL="457200" lvl="1" indent="0">
@@ -4738,7 +4856,7 @@
                 <a:latin typeface="TH SarabunPSK" panose="020B0500040200020003" pitchFamily="34" charset="-34"/>
                 <a:cs typeface="TH SarabunPSK" panose="020B0500040200020003" pitchFamily="34" charset="-34"/>
               </a:rPr>
-              <a:t>ค่านับเพิ่มอัตโนมัติ</a:t>
+              <a:t>ไม่ต้องปรับปรุงค่าของเงื่อนไข</a:t>
             </a:r>
             <a:endParaRPr lang="en-US" dirty="0">
               <a:latin typeface="TH SarabunPSK" panose="020B0500040200020003" pitchFamily="34" charset="-34"/>
